--- a/Presentation to CICD.pptx
+++ b/Presentation to CICD.pptx
@@ -109,6 +109,11 @@
       </a:defRPr>
     </a:lvl9pPr>
   </p:defaultTextStyle>
+  <p:extLst>
+    <p:ext uri="{EFAFB233-063F-42B5-8137-9DF3F51BA10A}">
+      <p15:sldGuideLst xmlns:p15="http://schemas.microsoft.com/office/powerpoint/2012/main"/>
+    </p:ext>
+  </p:extLst>
 </p:presentation>
 </file>
 
@@ -303,7 +308,7 @@
           <a:p>
             <a:fld id="{3FEB3B00-D045-4982-9253-E98BC148ACF5}" type="datetimeFigureOut">
               <a:rPr lang="ar-EG" smtClean="0"/>
-              <a:t>05/12/1443</a:t>
+              <a:t>06/12/1443</a:t>
             </a:fld>
             <a:endParaRPr lang="ar-EG"/>
           </a:p>
@@ -739,7 +744,7 @@
           <a:p>
             <a:fld id="{3FEB3B00-D045-4982-9253-E98BC148ACF5}" type="datetimeFigureOut">
               <a:rPr lang="ar-EG" smtClean="0"/>
-              <a:t>05/12/1443</a:t>
+              <a:t>06/12/1443</a:t>
             </a:fld>
             <a:endParaRPr lang="ar-EG"/>
           </a:p>
@@ -989,7 +994,7 @@
           <a:p>
             <a:fld id="{3FEB3B00-D045-4982-9253-E98BC148ACF5}" type="datetimeFigureOut">
               <a:rPr lang="ar-EG" smtClean="0"/>
-              <a:t>05/12/1443</a:t>
+              <a:t>06/12/1443</a:t>
             </a:fld>
             <a:endParaRPr lang="ar-EG"/>
           </a:p>
@@ -1297,7 +1302,7 @@
           <a:p>
             <a:fld id="{3FEB3B00-D045-4982-9253-E98BC148ACF5}" type="datetimeFigureOut">
               <a:rPr lang="ar-EG" smtClean="0"/>
-              <a:t>05/12/1443</a:t>
+              <a:t>06/12/1443</a:t>
             </a:fld>
             <a:endParaRPr lang="ar-EG"/>
           </a:p>
@@ -1615,7 +1620,7 @@
           <a:p>
             <a:fld id="{3FEB3B00-D045-4982-9253-E98BC148ACF5}" type="datetimeFigureOut">
               <a:rPr lang="ar-EG" smtClean="0"/>
-              <a:t>05/12/1443</a:t>
+              <a:t>06/12/1443</a:t>
             </a:fld>
             <a:endParaRPr lang="ar-EG"/>
           </a:p>
@@ -1917,7 +1922,7 @@
           <a:p>
             <a:fld id="{3FEB3B00-D045-4982-9253-E98BC148ACF5}" type="datetimeFigureOut">
               <a:rPr lang="ar-EG" smtClean="0"/>
-              <a:t>05/12/1443</a:t>
+              <a:t>06/12/1443</a:t>
             </a:fld>
             <a:endParaRPr lang="ar-EG"/>
           </a:p>
@@ -2284,7 +2289,7 @@
           <a:p>
             <a:fld id="{3FEB3B00-D045-4982-9253-E98BC148ACF5}" type="datetimeFigureOut">
               <a:rPr lang="ar-EG" smtClean="0"/>
-              <a:t>05/12/1443</a:t>
+              <a:t>06/12/1443</a:t>
             </a:fld>
             <a:endParaRPr lang="ar-EG"/>
           </a:p>
@@ -2458,7 +2463,7 @@
           <a:p>
             <a:fld id="{3FEB3B00-D045-4982-9253-E98BC148ACF5}" type="datetimeFigureOut">
               <a:rPr lang="ar-EG" smtClean="0"/>
-              <a:t>05/12/1443</a:t>
+              <a:t>06/12/1443</a:t>
             </a:fld>
             <a:endParaRPr lang="ar-EG"/>
           </a:p>
@@ -2638,7 +2643,7 @@
           <a:p>
             <a:fld id="{3FEB3B00-D045-4982-9253-E98BC148ACF5}" type="datetimeFigureOut">
               <a:rPr lang="ar-EG" smtClean="0"/>
-              <a:t>05/12/1443</a:t>
+              <a:t>06/12/1443</a:t>
             </a:fld>
             <a:endParaRPr lang="ar-EG"/>
           </a:p>
@@ -2832,7 +2837,7 @@
           <a:p>
             <a:fld id="{3FEB3B00-D045-4982-9253-E98BC148ACF5}" type="datetimeFigureOut">
               <a:rPr lang="ar-EG" smtClean="0"/>
-              <a:t>05/12/1443</a:t>
+              <a:t>06/12/1443</a:t>
             </a:fld>
             <a:endParaRPr lang="ar-EG"/>
           </a:p>
@@ -3002,7 +3007,7 @@
           <a:p>
             <a:fld id="{3FEB3B00-D045-4982-9253-E98BC148ACF5}" type="datetimeFigureOut">
               <a:rPr lang="ar-EG" smtClean="0"/>
-              <a:t>05/12/1443</a:t>
+              <a:t>06/12/1443</a:t>
             </a:fld>
             <a:endParaRPr lang="ar-EG"/>
           </a:p>
@@ -3252,7 +3257,7 @@
           <a:p>
             <a:fld id="{3FEB3B00-D045-4982-9253-E98BC148ACF5}" type="datetimeFigureOut">
               <a:rPr lang="ar-EG" smtClean="0"/>
-              <a:t>05/12/1443</a:t>
+              <a:t>06/12/1443</a:t>
             </a:fld>
             <a:endParaRPr lang="ar-EG"/>
           </a:p>
@@ -3488,7 +3493,7 @@
           <a:p>
             <a:fld id="{3FEB3B00-D045-4982-9253-E98BC148ACF5}" type="datetimeFigureOut">
               <a:rPr lang="ar-EG" smtClean="0"/>
-              <a:t>05/12/1443</a:t>
+              <a:t>06/12/1443</a:t>
             </a:fld>
             <a:endParaRPr lang="ar-EG"/>
           </a:p>
@@ -3870,7 +3875,7 @@
           <a:p>
             <a:fld id="{3FEB3B00-D045-4982-9253-E98BC148ACF5}" type="datetimeFigureOut">
               <a:rPr lang="ar-EG" smtClean="0"/>
-              <a:t>05/12/1443</a:t>
+              <a:t>06/12/1443</a:t>
             </a:fld>
             <a:endParaRPr lang="ar-EG"/>
           </a:p>
@@ -3988,7 +3993,7 @@
           <a:p>
             <a:fld id="{3FEB3B00-D045-4982-9253-E98BC148ACF5}" type="datetimeFigureOut">
               <a:rPr lang="ar-EG" smtClean="0"/>
-              <a:t>05/12/1443</a:t>
+              <a:t>06/12/1443</a:t>
             </a:fld>
             <a:endParaRPr lang="ar-EG"/>
           </a:p>
@@ -4083,7 +4088,7 @@
           <a:p>
             <a:fld id="{3FEB3B00-D045-4982-9253-E98BC148ACF5}" type="datetimeFigureOut">
               <a:rPr lang="ar-EG" smtClean="0"/>
-              <a:t>05/12/1443</a:t>
+              <a:t>06/12/1443</a:t>
             </a:fld>
             <a:endParaRPr lang="ar-EG"/>
           </a:p>
@@ -4338,7 +4343,7 @@
           <a:p>
             <a:fld id="{3FEB3B00-D045-4982-9253-E98BC148ACF5}" type="datetimeFigureOut">
               <a:rPr lang="ar-EG" smtClean="0"/>
-              <a:t>05/12/1443</a:t>
+              <a:t>06/12/1443</a:t>
             </a:fld>
             <a:endParaRPr lang="ar-EG"/>
           </a:p>
@@ -4621,7 +4626,7 @@
           <a:p>
             <a:fld id="{3FEB3B00-D045-4982-9253-E98BC148ACF5}" type="datetimeFigureOut">
               <a:rPr lang="ar-EG" smtClean="0"/>
-              <a:t>05/12/1443</a:t>
+              <a:t>06/12/1443</a:t>
             </a:fld>
             <a:endParaRPr lang="ar-EG"/>
           </a:p>
@@ -5027,7 +5032,7 @@
           <a:p>
             <a:fld id="{3FEB3B00-D045-4982-9253-E98BC148ACF5}" type="datetimeFigureOut">
               <a:rPr lang="ar-EG" smtClean="0"/>
-              <a:t>05/12/1443</a:t>
+              <a:t>06/12/1443</a:t>
             </a:fld>
             <a:endParaRPr lang="ar-EG"/>
           </a:p>
@@ -6050,35 +6055,42 @@
             <a:pPr algn="l"/>
             <a:r>
               <a:rPr lang="en-US" dirty="0"/>
-              <a:t>1- Automated testing enables continuous delivery, which ensures software quality and security and increases the profitability of code in production.</a:t>
+              <a:t>1-. Cost reduction thanks to automation</a:t>
             </a:r>
           </a:p>
           <a:p>
             <a:pPr algn="l"/>
             <a:r>
               <a:rPr lang="en-US" dirty="0"/>
-              <a:t>3- CI/CD pipelines enable a much shorter time to market for new product features, creating happier customers and lowering strain on development.</a:t>
+              <a:t>One of the most important reasons why so many businesses implement a CI/CD pipeline is automation. The automation of the build, test, and deploy phases makes the life of a DevOps team much easier. It also significantly reduces the cost of software development</a:t>
             </a:r>
           </a:p>
           <a:p>
             <a:pPr algn="l"/>
             <a:r>
               <a:rPr lang="en-US" dirty="0"/>
-              <a:t>3-The great increase in overall speed of delivery enabled by CI/CD pipelines improves an organization’s competitive edge.</a:t>
+              <a:t>2- Scale servers to our needs only (which will avoid unneeded costs) </a:t>
             </a:r>
           </a:p>
           <a:p>
             <a:pPr algn="l"/>
             <a:r>
               <a:rPr lang="en-US" dirty="0"/>
-              <a:t>4-Automation frees team members to focus on what they do best, yielding the best end products.</a:t>
+              <a:t>3- Automated Infrastructure creation ( Meaning less human error and faster</a:t>
             </a:r>
           </a:p>
           <a:p>
             <a:pPr algn="l"/>
             <a:r>
               <a:rPr lang="en-US" dirty="0"/>
-              <a:t>5- Organizations with a successful CI/CD pipeline can attract great talent. By moving away from traditional waterfall methods, engineers and developers are no longer bogged down with repetitive activities that are often highly dependent on the completion of other tasks. </a:t>
+              <a:t>deployments resulting to increase revenue) </a:t>
+            </a:r>
+          </a:p>
+          <a:p>
+            <a:pPr algn="l"/>
+            <a:r>
+              <a:rPr lang="en-US" dirty="0"/>
+              <a:t>4- the Automation of smoke tests will make less downtime and protect the revenue</a:t>
             </a:r>
             <a:endParaRPr lang="ar-EG" dirty="0"/>
           </a:p>
